--- a/6022_Phys 2/D2D/W01/6022_W24_W01D01_Course_Intro_Dynamic_Intersections.pptx
+++ b/6022_Phys 2/D2D/W01/6022_W24_W01D01_Course_Intro_Dynamic_Intersections.pptx
@@ -303,7 +303,7 @@
               <a:pPr>
                 <a:defRPr/>
               </a:pPr>
-              <a:t>1/5/2024</a:t>
+              <a:t>1/18/2024</a:t>
             </a:fld>
             <a:endParaRPr lang="en-US"/>
           </a:p>
@@ -545,7 +545,7 @@
               <a:pPr>
                 <a:defRPr/>
               </a:pPr>
-              <a:t>1/5/2024</a:t>
+              <a:t>1/18/2024</a:t>
             </a:fld>
             <a:endParaRPr lang="en-US"/>
           </a:p>
@@ -17738,21 +17738,44 @@
             <a:pPr lvl="1"/>
             <a:r>
               <a:rPr lang="en-CA" sz="2400" dirty="0"/>
-              <a:t>Continuous collision detection</a:t>
-            </a:r>
+              <a:t>(Continuous collision detection </a:t>
+            </a:r>
+            <a:r>
+              <a:rPr lang="en-CA" sz="2400" dirty="0">
+                <a:sym typeface="Wingdings" panose="05000000000000000000" pitchFamily="2" charset="2"/>
+              </a:rPr>
+              <a:t> possible Game Jam)</a:t>
+            </a:r>
+            <a:endParaRPr lang="en-CA" sz="2400" dirty="0"/>
           </a:p>
           <a:p>
             <a:pPr lvl="1"/>
             <a:r>
               <a:rPr lang="en-CA" sz="2400" dirty="0"/>
-              <a:t>Soft body (cloth) </a:t>
+              <a:t>1</a:t>
+            </a:r>
+            <a:r>
+              <a:rPr lang="en-CA" sz="2400" baseline="30000" dirty="0"/>
+              <a:t>st</a:t>
+            </a:r>
+            <a:r>
+              <a:rPr lang="en-CA" sz="2400" dirty="0"/>
+              <a:t> : Soft body (cloth, rope, Jell-O, Wheels…) </a:t>
             </a:r>
           </a:p>
           <a:p>
             <a:pPr lvl="1"/>
             <a:r>
               <a:rPr lang="en-CA" sz="2400" dirty="0"/>
-              <a:t>Constraints using own + 3</a:t>
+              <a:t>2</a:t>
+            </a:r>
+            <a:r>
+              <a:rPr lang="en-CA" sz="2400" baseline="30000" dirty="0"/>
+              <a:t>nd</a:t>
+            </a:r>
+            <a:r>
+              <a:rPr lang="en-CA" sz="2400" dirty="0"/>
+              <a:t> : Constraints using own + 3</a:t>
             </a:r>
             <a:r>
               <a:rPr lang="en-CA" sz="2400" baseline="30000" dirty="0"/>
@@ -17762,12 +17785,12 @@
               <a:rPr lang="en-CA" sz="2400" dirty="0"/>
               <a:t> party middle-ware</a:t>
             </a:r>
-            <a:br>
+          </a:p>
+          <a:p>
+            <a:pPr lvl="1"/>
+            <a:r>
               <a:rPr lang="en-CA" sz="2400" dirty="0"/>
-            </a:br>
-            <a:r>
-              <a:rPr lang="en-CA" sz="2400" dirty="0"/>
-              <a:t>(This 3</a:t>
+              <a:t>3</a:t>
             </a:r>
             <a:r>
               <a:rPr lang="en-CA" sz="2400" baseline="30000" dirty="0"/>
@@ -17775,7 +17798,7 @@
             </a:r>
             <a:r>
               <a:rPr lang="en-CA" sz="2400" dirty="0"/>
-              <a:t> project is also your Game Jam submission)</a:t>
+              <a:t> : “more” project is also your Game Jam submission</a:t>
             </a:r>
           </a:p>
           <a:p>
@@ -18033,33 +18056,15 @@
                                   </p:childTnLst>
                                 </p:cTn>
                               </p:par>
-                            </p:childTnLst>
-                          </p:cTn>
-                        </p:par>
-                      </p:childTnLst>
-                    </p:cTn>
-                  </p:par>
-                  <p:par>
-                    <p:cTn id="17" fill="hold">
-                      <p:stCondLst>
-                        <p:cond delay="indefinite"/>
-                      </p:stCondLst>
-                      <p:childTnLst>
-                        <p:par>
-                          <p:cTn id="18" fill="hold">
-                            <p:stCondLst>
-                              <p:cond delay="0"/>
-                            </p:stCondLst>
-                            <p:childTnLst>
                               <p:par>
-                                <p:cTn id="19" presetID="5" presetClass="entr" presetSubtype="10" fill="hold" grpId="0" nodeType="clickEffect">
+                                <p:cTn id="17" presetID="5" presetClass="entr" presetSubtype="10" fill="hold" grpId="0" nodeType="withEffect">
                                   <p:stCondLst>
                                     <p:cond delay="0"/>
                                   </p:stCondLst>
                                   <p:childTnLst>
                                     <p:set>
                                       <p:cBhvr>
-                                        <p:cTn id="20" dur="1" fill="hold">
+                                        <p:cTn id="18" dur="1" fill="hold">
                                           <p:stCondLst>
                                             <p:cond delay="0"/>
                                           </p:stCondLst>
@@ -18081,7 +18086,7 @@
                                     </p:set>
                                     <p:animEffect transition="in" filter="checkerboard(across)">
                                       <p:cBhvr>
-                                        <p:cTn id="21" dur="500"/>
+                                        <p:cTn id="19" dur="500"/>
                                         <p:tgtEl>
                                           <p:spTgt spid="3">
                                             <p:txEl>
@@ -18101,26 +18106,26 @@
                     </p:cTn>
                   </p:par>
                   <p:par>
-                    <p:cTn id="22" fill="hold">
+                    <p:cTn id="20" fill="hold">
                       <p:stCondLst>
                         <p:cond delay="indefinite"/>
                       </p:stCondLst>
                       <p:childTnLst>
                         <p:par>
-                          <p:cTn id="23" fill="hold">
+                          <p:cTn id="21" fill="hold">
                             <p:stCondLst>
                               <p:cond delay="0"/>
                             </p:stCondLst>
                             <p:childTnLst>
                               <p:par>
-                                <p:cTn id="24" presetID="5" presetClass="entr" presetSubtype="10" fill="hold" grpId="0" nodeType="clickEffect">
+                                <p:cTn id="22" presetID="5" presetClass="entr" presetSubtype="10" fill="hold" grpId="0" nodeType="clickEffect">
                                   <p:stCondLst>
                                     <p:cond delay="0"/>
                                   </p:stCondLst>
                                   <p:childTnLst>
                                     <p:set>
                                       <p:cBhvr>
-                                        <p:cTn id="25" dur="1" fill="hold">
+                                        <p:cTn id="23" dur="1" fill="hold">
                                           <p:stCondLst>
                                             <p:cond delay="0"/>
                                           </p:stCondLst>
@@ -18142,7 +18147,7 @@
                                     </p:set>
                                     <p:animEffect transition="in" filter="checkerboard(across)">
                                       <p:cBhvr>
-                                        <p:cTn id="26" dur="500"/>
+                                        <p:cTn id="24" dur="500"/>
                                         <p:tgtEl>
                                           <p:spTgt spid="3">
                                             <p:txEl>
@@ -18162,26 +18167,26 @@
                     </p:cTn>
                   </p:par>
                   <p:par>
-                    <p:cTn id="27" fill="hold">
+                    <p:cTn id="25" fill="hold">
                       <p:stCondLst>
                         <p:cond delay="indefinite"/>
                       </p:stCondLst>
                       <p:childTnLst>
                         <p:par>
-                          <p:cTn id="28" fill="hold">
+                          <p:cTn id="26" fill="hold">
                             <p:stCondLst>
                               <p:cond delay="0"/>
                             </p:stCondLst>
                             <p:childTnLst>
                               <p:par>
-                                <p:cTn id="29" presetID="5" presetClass="entr" presetSubtype="10" fill="hold" grpId="0" nodeType="clickEffect">
+                                <p:cTn id="27" presetID="5" presetClass="entr" presetSubtype="10" fill="hold" grpId="0" nodeType="clickEffect">
                                   <p:stCondLst>
                                     <p:cond delay="0"/>
                                   </p:stCondLst>
                                   <p:childTnLst>
                                     <p:set>
                                       <p:cBhvr>
-                                        <p:cTn id="30" dur="1" fill="hold">
+                                        <p:cTn id="28" dur="1" fill="hold">
                                           <p:stCondLst>
                                             <p:cond delay="0"/>
                                           </p:stCondLst>
@@ -18203,7 +18208,7 @@
                                     </p:set>
                                     <p:animEffect transition="in" filter="checkerboard(across)">
                                       <p:cBhvr>
-                                        <p:cTn id="31" dur="500"/>
+                                        <p:cTn id="29" dur="500"/>
                                         <p:tgtEl>
                                           <p:spTgt spid="3">
                                             <p:txEl>
@@ -18223,26 +18228,87 @@
                     </p:cTn>
                   </p:par>
                   <p:par>
-                    <p:cTn id="32" fill="hold">
+                    <p:cTn id="30" fill="hold">
                       <p:stCondLst>
                         <p:cond delay="indefinite"/>
                       </p:stCondLst>
                       <p:childTnLst>
                         <p:par>
-                          <p:cTn id="33" fill="hold">
+                          <p:cTn id="31" fill="hold">
                             <p:stCondLst>
                               <p:cond delay="0"/>
                             </p:stCondLst>
                             <p:childTnLst>
                               <p:par>
-                                <p:cTn id="34" presetID="10" presetClass="entr" presetSubtype="0" fill="hold" grpId="0" nodeType="clickEffect">
+                                <p:cTn id="32" presetID="5" presetClass="entr" presetSubtype="10" fill="hold" grpId="0" nodeType="clickEffect">
                                   <p:stCondLst>
                                     <p:cond delay="0"/>
                                   </p:stCondLst>
                                   <p:childTnLst>
                                     <p:set>
                                       <p:cBhvr>
-                                        <p:cTn id="35" dur="1" fill="hold">
+                                        <p:cTn id="33" dur="1" fill="hold">
+                                          <p:stCondLst>
+                                            <p:cond delay="0"/>
+                                          </p:stCondLst>
+                                        </p:cTn>
+                                        <p:tgtEl>
+                                          <p:spTgt spid="3">
+                                            <p:txEl>
+                                              <p:pRg st="7" end="7"/>
+                                            </p:txEl>
+                                          </p:spTgt>
+                                        </p:tgtEl>
+                                        <p:attrNameLst>
+                                          <p:attrName>style.visibility</p:attrName>
+                                        </p:attrNameLst>
+                                      </p:cBhvr>
+                                      <p:to>
+                                        <p:strVal val="visible"/>
+                                      </p:to>
+                                    </p:set>
+                                    <p:animEffect transition="in" filter="checkerboard(across)">
+                                      <p:cBhvr>
+                                        <p:cTn id="34" dur="500"/>
+                                        <p:tgtEl>
+                                          <p:spTgt spid="3">
+                                            <p:txEl>
+                                              <p:pRg st="7" end="7"/>
+                                            </p:txEl>
+                                          </p:spTgt>
+                                        </p:tgtEl>
+                                      </p:cBhvr>
+                                    </p:animEffect>
+                                  </p:childTnLst>
+                                </p:cTn>
+                              </p:par>
+                            </p:childTnLst>
+                          </p:cTn>
+                        </p:par>
+                      </p:childTnLst>
+                    </p:cTn>
+                  </p:par>
+                  <p:par>
+                    <p:cTn id="35" fill="hold">
+                      <p:stCondLst>
+                        <p:cond delay="indefinite"/>
+                      </p:stCondLst>
+                      <p:childTnLst>
+                        <p:par>
+                          <p:cTn id="36" fill="hold">
+                            <p:stCondLst>
+                              <p:cond delay="0"/>
+                            </p:stCondLst>
+                            <p:childTnLst>
+                              <p:par>
+                                <p:cTn id="37" presetID="10" presetClass="entr" presetSubtype="0" fill="hold" grpId="0" nodeType="clickEffect">
+                                  <p:stCondLst>
+                                    <p:cond delay="0"/>
+                                  </p:stCondLst>
+                                  <p:childTnLst>
+                                    <p:set>
+                                      <p:cBhvr>
+                                        <p:cTn id="38" dur="1" fill="hold">
                                           <p:stCondLst>
                                             <p:cond delay="0"/>
                                           </p:stCondLst>
@@ -18260,7 +18326,7 @@
                                     </p:set>
                                     <p:animEffect transition="in" filter="fade">
                                       <p:cBhvr>
-                                        <p:cTn id="36" dur="500"/>
+                                        <p:cTn id="39" dur="500"/>
                                         <p:tgtEl>
                                           <p:spTgt spid="4"/>
                                         </p:tgtEl>
